--- a/InvestPro Empowering Your Investment Success.pptx
+++ b/InvestPro Empowering Your Investment Success.pptx
@@ -2913,7 +2913,7 @@
           <a:p>
             <a:fld id="{DDA64E6A-D44E-482B-9938-BDFA6302EBFE}" type="datetimeFigureOut">
               <a:rPr lang="en-IN" smtClean="0"/>
-              <a:t>12-03-2024</a:t>
+              <a:t>13-03-2024</a:t>
             </a:fld>
             <a:endParaRPr lang="en-IN"/>
           </a:p>
@@ -3113,7 +3113,7 @@
           <a:p>
             <a:fld id="{DDA64E6A-D44E-482B-9938-BDFA6302EBFE}" type="datetimeFigureOut">
               <a:rPr lang="en-IN" smtClean="0"/>
-              <a:t>12-03-2024</a:t>
+              <a:t>13-03-2024</a:t>
             </a:fld>
             <a:endParaRPr lang="en-IN"/>
           </a:p>
@@ -3323,7 +3323,7 @@
           <a:p>
             <a:fld id="{DDA64E6A-D44E-482B-9938-BDFA6302EBFE}" type="datetimeFigureOut">
               <a:rPr lang="en-IN" smtClean="0"/>
-              <a:t>12-03-2024</a:t>
+              <a:t>13-03-2024</a:t>
             </a:fld>
             <a:endParaRPr lang="en-IN"/>
           </a:p>
@@ -3523,7 +3523,7 @@
           <a:p>
             <a:fld id="{DDA64E6A-D44E-482B-9938-BDFA6302EBFE}" type="datetimeFigureOut">
               <a:rPr lang="en-IN" smtClean="0"/>
-              <a:t>12-03-2024</a:t>
+              <a:t>13-03-2024</a:t>
             </a:fld>
             <a:endParaRPr lang="en-IN"/>
           </a:p>
@@ -3799,7 +3799,7 @@
           <a:p>
             <a:fld id="{DDA64E6A-D44E-482B-9938-BDFA6302EBFE}" type="datetimeFigureOut">
               <a:rPr lang="en-IN" smtClean="0"/>
-              <a:t>12-03-2024</a:t>
+              <a:t>13-03-2024</a:t>
             </a:fld>
             <a:endParaRPr lang="en-IN"/>
           </a:p>
@@ -4067,7 +4067,7 @@
           <a:p>
             <a:fld id="{DDA64E6A-D44E-482B-9938-BDFA6302EBFE}" type="datetimeFigureOut">
               <a:rPr lang="en-IN" smtClean="0"/>
-              <a:t>12-03-2024</a:t>
+              <a:t>13-03-2024</a:t>
             </a:fld>
             <a:endParaRPr lang="en-IN"/>
           </a:p>
@@ -4482,7 +4482,7 @@
           <a:p>
             <a:fld id="{DDA64E6A-D44E-482B-9938-BDFA6302EBFE}" type="datetimeFigureOut">
               <a:rPr lang="en-IN" smtClean="0"/>
-              <a:t>12-03-2024</a:t>
+              <a:t>13-03-2024</a:t>
             </a:fld>
             <a:endParaRPr lang="en-IN"/>
           </a:p>
@@ -4624,7 +4624,7 @@
           <a:p>
             <a:fld id="{DDA64E6A-D44E-482B-9938-BDFA6302EBFE}" type="datetimeFigureOut">
               <a:rPr lang="en-IN" smtClean="0"/>
-              <a:t>12-03-2024</a:t>
+              <a:t>13-03-2024</a:t>
             </a:fld>
             <a:endParaRPr lang="en-IN"/>
           </a:p>
@@ -4737,7 +4737,7 @@
           <a:p>
             <a:fld id="{DDA64E6A-D44E-482B-9938-BDFA6302EBFE}" type="datetimeFigureOut">
               <a:rPr lang="en-IN" smtClean="0"/>
-              <a:t>12-03-2024</a:t>
+              <a:t>13-03-2024</a:t>
             </a:fld>
             <a:endParaRPr lang="en-IN"/>
           </a:p>
@@ -5050,7 +5050,7 @@
           <a:p>
             <a:fld id="{DDA64E6A-D44E-482B-9938-BDFA6302EBFE}" type="datetimeFigureOut">
               <a:rPr lang="en-IN" smtClean="0"/>
-              <a:t>12-03-2024</a:t>
+              <a:t>13-03-2024</a:t>
             </a:fld>
             <a:endParaRPr lang="en-IN"/>
           </a:p>
@@ -5339,7 +5339,7 @@
           <a:p>
             <a:fld id="{DDA64E6A-D44E-482B-9938-BDFA6302EBFE}" type="datetimeFigureOut">
               <a:rPr lang="en-IN" smtClean="0"/>
-              <a:t>12-03-2024</a:t>
+              <a:t>13-03-2024</a:t>
             </a:fld>
             <a:endParaRPr lang="en-IN"/>
           </a:p>
@@ -5582,7 +5582,7 @@
           <a:p>
             <a:fld id="{DDA64E6A-D44E-482B-9938-BDFA6302EBFE}" type="datetimeFigureOut">
               <a:rPr lang="en-IN" smtClean="0"/>
-              <a:t>12-03-2024</a:t>
+              <a:t>13-03-2024</a:t>
             </a:fld>
             <a:endParaRPr lang="en-IN"/>
           </a:p>
@@ -6679,7 +6679,7 @@
         </p:blipFill>
         <p:spPr bwMode="auto">
           <a:xfrm>
-            <a:off x="7301037" y="69736"/>
+            <a:off x="10106442" y="4587"/>
             <a:ext cx="2085558" cy="2085558"/>
           </a:xfrm>
           <a:prstGeom prst="rect">
